--- a/курсач презентация.pptx
+++ b/курсач презентация.pptx
@@ -5,7 +5,7 @@
     <p:sldMasterId id="2147483684" r:id="rId1"/>
   </p:sldMasterIdLst>
   <p:notesMasterIdLst>
-    <p:notesMasterId r:id="rId15"/>
+    <p:notesMasterId r:id="rId17"/>
   </p:notesMasterIdLst>
   <p:sldIdLst>
     <p:sldId id="256" r:id="rId2"/>
@@ -20,7 +20,9 @@
     <p:sldId id="275" r:id="rId11"/>
     <p:sldId id="276" r:id="rId12"/>
     <p:sldId id="277" r:id="rId13"/>
-    <p:sldId id="268" r:id="rId14"/>
+    <p:sldId id="279" r:id="rId14"/>
+    <p:sldId id="280" r:id="rId15"/>
+    <p:sldId id="268" r:id="rId16"/>
   </p:sldIdLst>
   <p:sldSz cx="12192000" cy="6858000"/>
   <p:notesSz cx="6858000" cy="9144000"/>
@@ -5257,8 +5259,8 @@
         </p:nvSpPr>
         <p:spPr>
           <a:xfrm>
-            <a:off x="341538" y="4116968"/>
-            <a:ext cx="2438667" cy="873572"/>
+            <a:off x="873760" y="4116968"/>
+            <a:ext cx="1906445" cy="873572"/>
           </a:xfrm>
           <a:prstGeom prst="rect">
             <a:avLst/>
@@ -5271,7 +5273,7 @@
           </a:bodyPr>
           <a:lstStyle/>
           <a:p>
-            <a:pPr algn="just">
+            <a:pPr>
               <a:lnSpc>
                 <a:spcPct val="150000"/>
               </a:lnSpc>
@@ -5281,7 +5283,7 @@
                 <a:latin typeface="Times New Roman" panose="02020603050405020304" pitchFamily="18" charset="0"/>
                 <a:cs typeface="Times New Roman" panose="02020603050405020304" pitchFamily="18" charset="0"/>
               </a:rPr>
-              <a:t>Имитация категории товара</a:t>
+              <a:t>Имитация списка товаров</a:t>
             </a:r>
           </a:p>
         </p:txBody>
@@ -5366,7 +5368,7 @@
                 <a:latin typeface="Times New Roman" panose="02020603050405020304" pitchFamily="18" charset="0"/>
                 <a:cs typeface="Times New Roman" panose="02020603050405020304" pitchFamily="18" charset="0"/>
               </a:rPr>
-              <a:t>Разделитель категорий и каталога</a:t>
+              <a:t>Разделитель категорий и списка товаров</a:t>
             </a:r>
           </a:p>
         </p:txBody>
@@ -5924,6 +5926,9 @@
               <a:gd name="adj3" fmla="val 35100"/>
             </a:avLst>
           </a:prstGeom>
+          <a:solidFill>
+            <a:schemeClr val="accent2"/>
+          </a:solidFill>
         </p:spPr>
         <p:style>
           <a:lnRef idx="2">
@@ -5978,6 +5983,9 @@
               <a:gd name="adj3" fmla="val 35100"/>
             </a:avLst>
           </a:prstGeom>
+          <a:solidFill>
+            <a:schemeClr val="accent2"/>
+          </a:solidFill>
         </p:spPr>
         <p:style>
           <a:lnRef idx="2">
@@ -6022,6 +6030,761 @@
 </file>
 
 <file path=ppt/slides/slide13.xml><?xml version="1.0" encoding="utf-8"?>
+<p:sld xmlns:a="http://schemas.openxmlformats.org/drawingml/2006/main" xmlns:r="http://schemas.openxmlformats.org/officeDocument/2006/relationships" xmlns:p="http://schemas.openxmlformats.org/presentationml/2006/main">
+  <p:cSld>
+    <p:spTree>
+      <p:nvGrpSpPr>
+        <p:cNvPr id="1" name="">
+          <a:extLst>
+            <a:ext uri="{FF2B5EF4-FFF2-40B4-BE49-F238E27FC236}">
+              <a16:creationId xmlns:a16="http://schemas.microsoft.com/office/drawing/2014/main" id="{0CC028D3-67A4-F0B5-2E54-C2D96D6826F8}"/>
+            </a:ext>
+          </a:extLst>
+        </p:cNvPr>
+        <p:cNvGrpSpPr/>
+        <p:nvPr/>
+      </p:nvGrpSpPr>
+      <p:grpSpPr>
+        <a:xfrm>
+          <a:off x="0" y="0"/>
+          <a:ext cx="0" cy="0"/>
+          <a:chOff x="0" y="0"/>
+          <a:chExt cx="0" cy="0"/>
+        </a:xfrm>
+      </p:grpSpPr>
+      <p:pic>
+        <p:nvPicPr>
+          <p:cNvPr id="3" name="Рисунок 2">
+            <a:extLst>
+              <a:ext uri="{FF2B5EF4-FFF2-40B4-BE49-F238E27FC236}">
+                <a16:creationId xmlns:a16="http://schemas.microsoft.com/office/drawing/2014/main" id="{97DA53C2-F516-2AF3-5C70-887142334371}"/>
+              </a:ext>
+            </a:extLst>
+          </p:cNvPr>
+          <p:cNvPicPr>
+            <a:picLocks noChangeAspect="1"/>
+          </p:cNvPicPr>
+          <p:nvPr/>
+        </p:nvPicPr>
+        <p:blipFill rotWithShape="1">
+          <a:blip r:embed="rId2"/>
+          <a:srcRect l="6372" t="3172" r="8471" b="4821"/>
+          <a:stretch/>
+        </p:blipFill>
+        <p:spPr bwMode="auto">
+          <a:xfrm>
+            <a:off x="3115532" y="2165886"/>
+            <a:ext cx="5960936" cy="2352675"/>
+          </a:xfrm>
+          <a:prstGeom prst="rect">
+            <a:avLst/>
+          </a:prstGeom>
+          <a:ln>
+            <a:noFill/>
+          </a:ln>
+          <a:extLst>
+            <a:ext uri="{53640926-AAD7-44D8-BBD7-CCE9431645EC}">
+              <a14:shadowObscured xmlns:a14="http://schemas.microsoft.com/office/drawing/2010/main"/>
+            </a:ext>
+          </a:extLst>
+        </p:spPr>
+      </p:pic>
+      <p:sp>
+        <p:nvSpPr>
+          <p:cNvPr id="2" name="Заголовок 1">
+            <a:extLst>
+              <a:ext uri="{FF2B5EF4-FFF2-40B4-BE49-F238E27FC236}">
+                <a16:creationId xmlns:a16="http://schemas.microsoft.com/office/drawing/2014/main" id="{DB5A88DF-62FA-90EE-68F7-18FD67C4CBE4}"/>
+              </a:ext>
+            </a:extLst>
+          </p:cNvPr>
+          <p:cNvSpPr>
+            <a:spLocks noGrp="1"/>
+          </p:cNvSpPr>
+          <p:nvPr>
+            <p:ph type="title"/>
+          </p:nvPr>
+        </p:nvSpPr>
+        <p:spPr>
+          <a:xfrm>
+            <a:off x="1097280" y="286604"/>
+            <a:ext cx="10058400" cy="1304072"/>
+          </a:xfrm>
+        </p:spPr>
+        <p:txBody>
+          <a:bodyPr/>
+          <a:lstStyle/>
+          <a:p>
+            <a:pPr algn="ctr"/>
+            <a:r>
+              <a:rPr lang="ru-RU" sz="3200" dirty="0">
+                <a:solidFill>
+                  <a:schemeClr val="tx1"/>
+                </a:solidFill>
+                <a:latin typeface="Times New Roman" panose="02020603050405020304" pitchFamily="18" charset="0"/>
+                <a:cs typeface="Times New Roman" panose="02020603050405020304" pitchFamily="18" charset="0"/>
+              </a:rPr>
+              <a:t>Разработка страницы «Доставка»</a:t>
+            </a:r>
+          </a:p>
+        </p:txBody>
+      </p:sp>
+      <p:sp>
+        <p:nvSpPr>
+          <p:cNvPr id="15" name="TextBox 14">
+            <a:extLst>
+              <a:ext uri="{FF2B5EF4-FFF2-40B4-BE49-F238E27FC236}">
+                <a16:creationId xmlns:a16="http://schemas.microsoft.com/office/drawing/2014/main" id="{113B6F59-35BC-4A8E-30DD-3E0979AE4B87}"/>
+              </a:ext>
+            </a:extLst>
+          </p:cNvPr>
+          <p:cNvSpPr txBox="1"/>
+          <p:nvPr/>
+        </p:nvSpPr>
+        <p:spPr>
+          <a:xfrm>
+            <a:off x="2767016" y="5237460"/>
+            <a:ext cx="6657967" cy="369332"/>
+          </a:xfrm>
+          <a:prstGeom prst="rect">
+            <a:avLst/>
+          </a:prstGeom>
+          <a:noFill/>
+        </p:spPr>
+        <p:txBody>
+          <a:bodyPr wrap="square" rtlCol="0">
+            <a:spAutoFit/>
+          </a:bodyPr>
+          <a:lstStyle/>
+          <a:p>
+            <a:r>
+              <a:rPr lang="ru-RU" dirty="0">
+                <a:latin typeface="Times New Roman" panose="02020603050405020304" pitchFamily="18" charset="0"/>
+                <a:cs typeface="Times New Roman" panose="02020603050405020304" pitchFamily="18" charset="0"/>
+              </a:rPr>
+              <a:t>Ссылка на</a:t>
+            </a:r>
+            <a:r>
+              <a:rPr lang="en-US" dirty="0">
+                <a:latin typeface="Times New Roman" panose="02020603050405020304" pitchFamily="18" charset="0"/>
+                <a:cs typeface="Times New Roman" panose="02020603050405020304" pitchFamily="18" charset="0"/>
+              </a:rPr>
+              <a:t> </a:t>
+            </a:r>
+            <a:r>
+              <a:rPr lang="ru-RU" sz="1800" dirty="0">
+                <a:effectLst/>
+                <a:latin typeface="Times New Roman" panose="02020603050405020304" pitchFamily="18" charset="0"/>
+                <a:ea typeface="Calibri" panose="020F0502020204030204" pitchFamily="34" charset="0"/>
+              </a:rPr>
+              <a:t>сообщество магазина в социальной сети «ВКонтакте»</a:t>
+            </a:r>
+            <a:endParaRPr lang="ru-RU" dirty="0">
+              <a:latin typeface="Times New Roman" panose="02020603050405020304" pitchFamily="18" charset="0"/>
+              <a:cs typeface="Times New Roman" panose="02020603050405020304" pitchFamily="18" charset="0"/>
+            </a:endParaRPr>
+          </a:p>
+        </p:txBody>
+      </p:sp>
+      <p:cxnSp>
+        <p:nvCxnSpPr>
+          <p:cNvPr id="16" name="Прямая со стрелкой 15">
+            <a:extLst>
+              <a:ext uri="{FF2B5EF4-FFF2-40B4-BE49-F238E27FC236}">
+                <a16:creationId xmlns:a16="http://schemas.microsoft.com/office/drawing/2014/main" id="{56B2320E-A290-6629-7D07-97D2B0BCEF8F}"/>
+              </a:ext>
+            </a:extLst>
+          </p:cNvPr>
+          <p:cNvCxnSpPr>
+            <a:cxnSpLocks/>
+          </p:cNvCxnSpPr>
+          <p:nvPr/>
+        </p:nvCxnSpPr>
+        <p:spPr>
+          <a:xfrm flipH="1" flipV="1">
+            <a:off x="5288916" y="4399280"/>
+            <a:ext cx="390524" cy="660400"/>
+          </a:xfrm>
+          <a:prstGeom prst="straightConnector1">
+            <a:avLst/>
+          </a:prstGeom>
+          <a:ln w="28575">
+            <a:headEnd type="none" w="med" len="med"/>
+            <a:tailEnd type="arrow" w="med" len="med"/>
+          </a:ln>
+        </p:spPr>
+        <p:style>
+          <a:lnRef idx="1">
+            <a:schemeClr val="accent2"/>
+          </a:lnRef>
+          <a:fillRef idx="0">
+            <a:schemeClr val="accent2"/>
+          </a:fillRef>
+          <a:effectRef idx="0">
+            <a:schemeClr val="accent2"/>
+          </a:effectRef>
+          <a:fontRef idx="minor">
+            <a:schemeClr val="tx1"/>
+          </a:fontRef>
+        </p:style>
+      </p:cxnSp>
+    </p:spTree>
+    <p:extLst>
+      <p:ext uri="{BB962C8B-B14F-4D97-AF65-F5344CB8AC3E}">
+        <p14:creationId xmlns:p14="http://schemas.microsoft.com/office/powerpoint/2010/main" val="3287107543"/>
+      </p:ext>
+    </p:extLst>
+  </p:cSld>
+  <p:clrMapOvr>
+    <a:masterClrMapping/>
+  </p:clrMapOvr>
+</p:sld>
+</file>
+
+<file path=ppt/slides/slide14.xml><?xml version="1.0" encoding="utf-8"?>
+<p:sld xmlns:a="http://schemas.openxmlformats.org/drawingml/2006/main" xmlns:r="http://schemas.openxmlformats.org/officeDocument/2006/relationships" xmlns:p="http://schemas.openxmlformats.org/presentationml/2006/main">
+  <p:cSld>
+    <p:spTree>
+      <p:nvGrpSpPr>
+        <p:cNvPr id="1" name="">
+          <a:extLst>
+            <a:ext uri="{FF2B5EF4-FFF2-40B4-BE49-F238E27FC236}">
+              <a16:creationId xmlns:a16="http://schemas.microsoft.com/office/drawing/2014/main" id="{A45FF2F7-468D-232E-A06E-16C0DFF2DD28}"/>
+            </a:ext>
+          </a:extLst>
+        </p:cNvPr>
+        <p:cNvGrpSpPr/>
+        <p:nvPr/>
+      </p:nvGrpSpPr>
+      <p:grpSpPr>
+        <a:xfrm>
+          <a:off x="0" y="0"/>
+          <a:ext cx="0" cy="0"/>
+          <a:chOff x="0" y="0"/>
+          <a:chExt cx="0" cy="0"/>
+        </a:xfrm>
+      </p:grpSpPr>
+      <p:pic>
+        <p:nvPicPr>
+          <p:cNvPr id="44" name="Рисунок 43" descr="Точечная строчная круга">
+            <a:extLst>
+              <a:ext uri="{FF2B5EF4-FFF2-40B4-BE49-F238E27FC236}">
+                <a16:creationId xmlns:a16="http://schemas.microsoft.com/office/drawing/2014/main" id="{D6D77BE9-501C-2B7C-9D90-A51F03107A77}"/>
+              </a:ext>
+            </a:extLst>
+          </p:cNvPr>
+          <p:cNvPicPr>
+            <a:picLocks noChangeAspect="1"/>
+          </p:cNvPicPr>
+          <p:nvPr/>
+        </p:nvPicPr>
+        <p:blipFill>
+          <a:blip r:embed="rId2">
+            <a:extLst>
+              <a:ext uri="{96DAC541-7B7A-43D3-8B79-37D633B846F1}">
+                <asvg:svgBlip xmlns:asvg="http://schemas.microsoft.com/office/drawing/2016/SVG/main" r:embed="rId3"/>
+              </a:ext>
+            </a:extLst>
+          </a:blip>
+          <a:stretch>
+            <a:fillRect/>
+          </a:stretch>
+        </p:blipFill>
+        <p:spPr>
+          <a:xfrm rot="1247188">
+            <a:off x="6915933" y="1919264"/>
+            <a:ext cx="3015577" cy="3015577"/>
+          </a:xfrm>
+          <a:prstGeom prst="rect">
+            <a:avLst/>
+          </a:prstGeom>
+        </p:spPr>
+      </p:pic>
+      <p:pic>
+        <p:nvPicPr>
+          <p:cNvPr id="43" name="Рисунок 42" descr="Точечная строчная круга">
+            <a:extLst>
+              <a:ext uri="{FF2B5EF4-FFF2-40B4-BE49-F238E27FC236}">
+                <a16:creationId xmlns:a16="http://schemas.microsoft.com/office/drawing/2014/main" id="{194FDFED-CF9C-EBDE-D121-42CA5E6C10DA}"/>
+              </a:ext>
+            </a:extLst>
+          </p:cNvPr>
+          <p:cNvPicPr>
+            <a:picLocks noChangeAspect="1"/>
+          </p:cNvPicPr>
+          <p:nvPr/>
+        </p:nvPicPr>
+        <p:blipFill>
+          <a:blip r:embed="rId2">
+            <a:extLst>
+              <a:ext uri="{96DAC541-7B7A-43D3-8B79-37D633B846F1}">
+                <asvg:svgBlip xmlns:asvg="http://schemas.microsoft.com/office/drawing/2016/SVG/main" r:embed="rId3"/>
+              </a:ext>
+            </a:extLst>
+          </a:blip>
+          <a:stretch>
+            <a:fillRect/>
+          </a:stretch>
+        </p:blipFill>
+        <p:spPr>
+          <a:xfrm rot="1413705">
+            <a:off x="5038738" y="1726722"/>
+            <a:ext cx="3179373" cy="3179373"/>
+          </a:xfrm>
+          <a:prstGeom prst="rect">
+            <a:avLst/>
+          </a:prstGeom>
+        </p:spPr>
+      </p:pic>
+      <p:pic>
+        <p:nvPicPr>
+          <p:cNvPr id="42" name="Рисунок 41" descr="Точечная строчная круга">
+            <a:extLst>
+              <a:ext uri="{FF2B5EF4-FFF2-40B4-BE49-F238E27FC236}">
+                <a16:creationId xmlns:a16="http://schemas.microsoft.com/office/drawing/2014/main" id="{CB968A83-40F7-EEB1-AEF9-FFB07B067616}"/>
+              </a:ext>
+            </a:extLst>
+          </p:cNvPr>
+          <p:cNvPicPr>
+            <a:picLocks noChangeAspect="1"/>
+          </p:cNvPicPr>
+          <p:nvPr/>
+        </p:nvPicPr>
+        <p:blipFill>
+          <a:blip r:embed="rId2">
+            <a:extLst>
+              <a:ext uri="{96DAC541-7B7A-43D3-8B79-37D633B846F1}">
+                <asvg:svgBlip xmlns:asvg="http://schemas.microsoft.com/office/drawing/2016/SVG/main" r:embed="rId3"/>
+              </a:ext>
+            </a:extLst>
+          </a:blip>
+          <a:stretch>
+            <a:fillRect/>
+          </a:stretch>
+        </p:blipFill>
+        <p:spPr>
+          <a:xfrm rot="2262130">
+            <a:off x="1769491" y="1958935"/>
+            <a:ext cx="2857759" cy="2857759"/>
+          </a:xfrm>
+          <a:prstGeom prst="rect">
+            <a:avLst/>
+          </a:prstGeom>
+        </p:spPr>
+      </p:pic>
+      <p:pic>
+        <p:nvPicPr>
+          <p:cNvPr id="46" name="Рисунок 45" descr="Точечная строчная круга">
+            <a:extLst>
+              <a:ext uri="{FF2B5EF4-FFF2-40B4-BE49-F238E27FC236}">
+                <a16:creationId xmlns:a16="http://schemas.microsoft.com/office/drawing/2014/main" id="{F3DD2584-E0D7-66CE-3A3D-3B6CBF93A1EF}"/>
+              </a:ext>
+            </a:extLst>
+          </p:cNvPr>
+          <p:cNvPicPr>
+            <a:picLocks noChangeAspect="1"/>
+          </p:cNvPicPr>
+          <p:nvPr/>
+        </p:nvPicPr>
+        <p:blipFill>
+          <a:blip r:embed="rId4">
+            <a:extLst>
+              <a:ext uri="{96DAC541-7B7A-43D3-8B79-37D633B846F1}">
+                <asvg:svgBlip xmlns:asvg="http://schemas.microsoft.com/office/drawing/2016/SVG/main" r:embed="rId5"/>
+              </a:ext>
+            </a:extLst>
+          </a:blip>
+          <a:stretch>
+            <a:fillRect/>
+          </a:stretch>
+        </p:blipFill>
+        <p:spPr>
+          <a:xfrm rot="12500652">
+            <a:off x="641303" y="1651606"/>
+            <a:ext cx="3179373" cy="3179373"/>
+          </a:xfrm>
+          <a:prstGeom prst="rect">
+            <a:avLst/>
+          </a:prstGeom>
+        </p:spPr>
+      </p:pic>
+      <p:sp>
+        <p:nvSpPr>
+          <p:cNvPr id="2" name="Заголовок 1">
+            <a:extLst>
+              <a:ext uri="{FF2B5EF4-FFF2-40B4-BE49-F238E27FC236}">
+                <a16:creationId xmlns:a16="http://schemas.microsoft.com/office/drawing/2014/main" id="{6FCDE436-C1D2-74B5-2D80-835DD28B3DC5}"/>
+              </a:ext>
+            </a:extLst>
+          </p:cNvPr>
+          <p:cNvSpPr>
+            <a:spLocks noGrp="1"/>
+          </p:cNvSpPr>
+          <p:nvPr>
+            <p:ph type="title"/>
+          </p:nvPr>
+        </p:nvSpPr>
+        <p:spPr>
+          <a:xfrm>
+            <a:off x="1097280" y="286604"/>
+            <a:ext cx="10058400" cy="1304072"/>
+          </a:xfrm>
+        </p:spPr>
+        <p:txBody>
+          <a:bodyPr/>
+          <a:lstStyle/>
+          <a:p>
+            <a:pPr algn="ctr"/>
+            <a:r>
+              <a:rPr lang="ru-RU" sz="3200" dirty="0">
+                <a:solidFill>
+                  <a:schemeClr val="tx1"/>
+                </a:solidFill>
+                <a:latin typeface="Times New Roman" panose="02020603050405020304" pitchFamily="18" charset="0"/>
+                <a:cs typeface="Times New Roman" panose="02020603050405020304" pitchFamily="18" charset="0"/>
+              </a:rPr>
+              <a:t>Разработка подвала</a:t>
+            </a:r>
+          </a:p>
+        </p:txBody>
+      </p:sp>
+      <p:pic>
+        <p:nvPicPr>
+          <p:cNvPr id="10" name="Рисунок 9" descr="Точечная строчная круга">
+            <a:extLst>
+              <a:ext uri="{FF2B5EF4-FFF2-40B4-BE49-F238E27FC236}">
+                <a16:creationId xmlns:a16="http://schemas.microsoft.com/office/drawing/2014/main" id="{3E5ABCA8-5347-D597-8146-B2236D61B76C}"/>
+              </a:ext>
+            </a:extLst>
+          </p:cNvPr>
+          <p:cNvPicPr>
+            <a:picLocks noChangeAspect="1"/>
+          </p:cNvPicPr>
+          <p:nvPr/>
+        </p:nvPicPr>
+        <p:blipFill>
+          <a:blip r:embed="rId2">
+            <a:extLst>
+              <a:ext uri="{96DAC541-7B7A-43D3-8B79-37D633B846F1}">
+                <asvg:svgBlip xmlns:asvg="http://schemas.microsoft.com/office/drawing/2016/SVG/main" r:embed="rId3"/>
+              </a:ext>
+            </a:extLst>
+          </a:blip>
+          <a:stretch>
+            <a:fillRect/>
+          </a:stretch>
+        </p:blipFill>
+        <p:spPr>
+          <a:xfrm rot="923003">
+            <a:off x="-591053" y="1914487"/>
+            <a:ext cx="3029023" cy="3029023"/>
+          </a:xfrm>
+          <a:prstGeom prst="rect">
+            <a:avLst/>
+          </a:prstGeom>
+        </p:spPr>
+      </p:pic>
+      <p:pic>
+        <p:nvPicPr>
+          <p:cNvPr id="24" name="Рисунок 23" descr="Точечная строчная круга">
+            <a:extLst>
+              <a:ext uri="{FF2B5EF4-FFF2-40B4-BE49-F238E27FC236}">
+                <a16:creationId xmlns:a16="http://schemas.microsoft.com/office/drawing/2014/main" id="{B8FA3922-BC1A-F1B7-ECF5-28F9AA1E03F2}"/>
+              </a:ext>
+            </a:extLst>
+          </p:cNvPr>
+          <p:cNvPicPr>
+            <a:picLocks noChangeAspect="1"/>
+          </p:cNvPicPr>
+          <p:nvPr/>
+        </p:nvPicPr>
+        <p:blipFill>
+          <a:blip r:embed="rId2">
+            <a:extLst>
+              <a:ext uri="{96DAC541-7B7A-43D3-8B79-37D633B846F1}">
+                <asvg:svgBlip xmlns:asvg="http://schemas.microsoft.com/office/drawing/2016/SVG/main" r:embed="rId3"/>
+              </a:ext>
+            </a:extLst>
+          </a:blip>
+          <a:stretch>
+            <a:fillRect/>
+          </a:stretch>
+        </p:blipFill>
+        <p:spPr>
+          <a:xfrm rot="14181719">
+            <a:off x="2888977" y="1827184"/>
+            <a:ext cx="2828219" cy="2828219"/>
+          </a:xfrm>
+          <a:prstGeom prst="rect">
+            <a:avLst/>
+          </a:prstGeom>
+        </p:spPr>
+      </p:pic>
+      <p:pic>
+        <p:nvPicPr>
+          <p:cNvPr id="28" name="Рисунок 27" descr="Точечная строчная круга">
+            <a:extLst>
+              <a:ext uri="{FF2B5EF4-FFF2-40B4-BE49-F238E27FC236}">
+                <a16:creationId xmlns:a16="http://schemas.microsoft.com/office/drawing/2014/main" id="{8348221F-8060-FE3C-C80A-4E354070EDEB}"/>
+              </a:ext>
+            </a:extLst>
+          </p:cNvPr>
+          <p:cNvPicPr>
+            <a:picLocks noChangeAspect="1"/>
+          </p:cNvPicPr>
+          <p:nvPr/>
+        </p:nvPicPr>
+        <p:blipFill>
+          <a:blip r:embed="rId2">
+            <a:extLst>
+              <a:ext uri="{96DAC541-7B7A-43D3-8B79-37D633B846F1}">
+                <asvg:svgBlip xmlns:asvg="http://schemas.microsoft.com/office/drawing/2016/SVG/main" r:embed="rId3"/>
+              </a:ext>
+            </a:extLst>
+          </a:blip>
+          <a:stretch>
+            <a:fillRect/>
+          </a:stretch>
+        </p:blipFill>
+        <p:spPr>
+          <a:xfrm rot="12197928">
+            <a:off x="4672819" y="1928989"/>
+            <a:ext cx="2957111" cy="2957111"/>
+          </a:xfrm>
+          <a:prstGeom prst="rect">
+            <a:avLst/>
+          </a:prstGeom>
+        </p:spPr>
+      </p:pic>
+      <p:pic>
+        <p:nvPicPr>
+          <p:cNvPr id="29" name="Рисунок 28" descr="Точечная строчная круга">
+            <a:extLst>
+              <a:ext uri="{FF2B5EF4-FFF2-40B4-BE49-F238E27FC236}">
+                <a16:creationId xmlns:a16="http://schemas.microsoft.com/office/drawing/2014/main" id="{088F99C3-0764-C98B-392B-167B2297BAE5}"/>
+              </a:ext>
+            </a:extLst>
+          </p:cNvPr>
+          <p:cNvPicPr>
+            <a:picLocks noChangeAspect="1"/>
+          </p:cNvPicPr>
+          <p:nvPr/>
+        </p:nvPicPr>
+        <p:blipFill>
+          <a:blip r:embed="rId4">
+            <a:extLst>
+              <a:ext uri="{96DAC541-7B7A-43D3-8B79-37D633B846F1}">
+                <asvg:svgBlip xmlns:asvg="http://schemas.microsoft.com/office/drawing/2016/SVG/main" r:embed="rId5"/>
+              </a:ext>
+            </a:extLst>
+          </a:blip>
+          <a:stretch>
+            <a:fillRect/>
+          </a:stretch>
+        </p:blipFill>
+        <p:spPr>
+          <a:xfrm rot="11598293">
+            <a:off x="6049010" y="1752189"/>
+            <a:ext cx="3179373" cy="3179373"/>
+          </a:xfrm>
+          <a:prstGeom prst="rect">
+            <a:avLst/>
+          </a:prstGeom>
+        </p:spPr>
+      </p:pic>
+      <p:pic>
+        <p:nvPicPr>
+          <p:cNvPr id="30" name="Рисунок 29" descr="Точечная строчная круга">
+            <a:extLst>
+              <a:ext uri="{FF2B5EF4-FFF2-40B4-BE49-F238E27FC236}">
+                <a16:creationId xmlns:a16="http://schemas.microsoft.com/office/drawing/2014/main" id="{0FF654C0-9310-D707-4534-8550D4FB2D86}"/>
+              </a:ext>
+            </a:extLst>
+          </p:cNvPr>
+          <p:cNvPicPr>
+            <a:picLocks noChangeAspect="1"/>
+          </p:cNvPicPr>
+          <p:nvPr/>
+        </p:nvPicPr>
+        <p:blipFill>
+          <a:blip r:embed="rId4">
+            <a:extLst>
+              <a:ext uri="{96DAC541-7B7A-43D3-8B79-37D633B846F1}">
+                <asvg:svgBlip xmlns:asvg="http://schemas.microsoft.com/office/drawing/2016/SVG/main" r:embed="rId5"/>
+              </a:ext>
+            </a:extLst>
+          </a:blip>
+          <a:stretch>
+            <a:fillRect/>
+          </a:stretch>
+        </p:blipFill>
+        <p:spPr>
+          <a:xfrm rot="2968202">
+            <a:off x="7671059" y="1737586"/>
+            <a:ext cx="3179373" cy="3179373"/>
+          </a:xfrm>
+          <a:prstGeom prst="rect">
+            <a:avLst/>
+          </a:prstGeom>
+        </p:spPr>
+      </p:pic>
+      <p:pic>
+        <p:nvPicPr>
+          <p:cNvPr id="31" name="Рисунок 30" descr="Точечная строчная круга">
+            <a:extLst>
+              <a:ext uri="{FF2B5EF4-FFF2-40B4-BE49-F238E27FC236}">
+                <a16:creationId xmlns:a16="http://schemas.microsoft.com/office/drawing/2014/main" id="{B12131C6-B179-2D3A-45FC-0B208BAA1012}"/>
+              </a:ext>
+            </a:extLst>
+          </p:cNvPr>
+          <p:cNvPicPr>
+            <a:picLocks noChangeAspect="1"/>
+          </p:cNvPicPr>
+          <p:nvPr/>
+        </p:nvPicPr>
+        <p:blipFill>
+          <a:blip r:embed="rId4">
+            <a:extLst>
+              <a:ext uri="{96DAC541-7B7A-43D3-8B79-37D633B846F1}">
+                <asvg:svgBlip xmlns:asvg="http://schemas.microsoft.com/office/drawing/2016/SVG/main" r:embed="rId5"/>
+              </a:ext>
+            </a:extLst>
+          </a:blip>
+          <a:stretch>
+            <a:fillRect/>
+          </a:stretch>
+        </p:blipFill>
+        <p:spPr>
+          <a:xfrm rot="2340517">
+            <a:off x="9731223" y="2017070"/>
+            <a:ext cx="2852305" cy="2852305"/>
+          </a:xfrm>
+          <a:prstGeom prst="rect">
+            <a:avLst/>
+          </a:prstGeom>
+        </p:spPr>
+      </p:pic>
+      <p:pic>
+        <p:nvPicPr>
+          <p:cNvPr id="23" name="Рисунок 22" descr="Точечная строчная круга">
+            <a:extLst>
+              <a:ext uri="{FF2B5EF4-FFF2-40B4-BE49-F238E27FC236}">
+                <a16:creationId xmlns:a16="http://schemas.microsoft.com/office/drawing/2014/main" id="{798564C2-1E22-851C-A97F-39BDDE12FD04}"/>
+              </a:ext>
+            </a:extLst>
+          </p:cNvPr>
+          <p:cNvPicPr>
+            <a:picLocks noChangeAspect="1"/>
+          </p:cNvPicPr>
+          <p:nvPr/>
+        </p:nvPicPr>
+        <p:blipFill>
+          <a:blip r:embed="rId4">
+            <a:extLst>
+              <a:ext uri="{96DAC541-7B7A-43D3-8B79-37D633B846F1}">
+                <asvg:svgBlip xmlns:asvg="http://schemas.microsoft.com/office/drawing/2016/SVG/main" r:embed="rId5"/>
+              </a:ext>
+            </a:extLst>
+          </a:blip>
+          <a:stretch>
+            <a:fillRect/>
+          </a:stretch>
+        </p:blipFill>
+        <p:spPr>
+          <a:xfrm rot="2270496">
+            <a:off x="3542914" y="1874093"/>
+            <a:ext cx="3008261" cy="3008261"/>
+          </a:xfrm>
+          <a:prstGeom prst="rect">
+            <a:avLst/>
+          </a:prstGeom>
+        </p:spPr>
+      </p:pic>
+      <p:pic>
+        <p:nvPicPr>
+          <p:cNvPr id="45" name="Рисунок 44" descr="Точечная строчная круга">
+            <a:extLst>
+              <a:ext uri="{FF2B5EF4-FFF2-40B4-BE49-F238E27FC236}">
+                <a16:creationId xmlns:a16="http://schemas.microsoft.com/office/drawing/2014/main" id="{0F3DC548-243D-976D-9520-DFEF29193FE8}"/>
+              </a:ext>
+            </a:extLst>
+          </p:cNvPr>
+          <p:cNvPicPr>
+            <a:picLocks noChangeAspect="1"/>
+          </p:cNvPicPr>
+          <p:nvPr/>
+        </p:nvPicPr>
+        <p:blipFill>
+          <a:blip r:embed="rId2">
+            <a:extLst>
+              <a:ext uri="{96DAC541-7B7A-43D3-8B79-37D633B846F1}">
+                <asvg:svgBlip xmlns:asvg="http://schemas.microsoft.com/office/drawing/2016/SVG/main" r:embed="rId3"/>
+              </a:ext>
+            </a:extLst>
+          </a:blip>
+          <a:stretch>
+            <a:fillRect/>
+          </a:stretch>
+        </p:blipFill>
+        <p:spPr>
+          <a:xfrm rot="13363579">
+            <a:off x="8837370" y="1798128"/>
+            <a:ext cx="3179373" cy="3179373"/>
+          </a:xfrm>
+          <a:prstGeom prst="rect">
+            <a:avLst/>
+          </a:prstGeom>
+        </p:spPr>
+      </p:pic>
+      <p:pic>
+        <p:nvPicPr>
+          <p:cNvPr id="6" name="Рисунок 5">
+            <a:extLst>
+              <a:ext uri="{FF2B5EF4-FFF2-40B4-BE49-F238E27FC236}">
+                <a16:creationId xmlns:a16="http://schemas.microsoft.com/office/drawing/2014/main" id="{03901E60-1069-CA92-0981-99208EBC9C1A}"/>
+              </a:ext>
+            </a:extLst>
+          </p:cNvPr>
+          <p:cNvPicPr>
+            <a:picLocks noChangeAspect="1"/>
+          </p:cNvPicPr>
+          <p:nvPr/>
+        </p:nvPicPr>
+        <p:blipFill>
+          <a:blip r:embed="rId6">
+            <a:extLst>
+              <a:ext uri="{28A0092B-C50C-407E-A947-70E740481C1C}">
+                <a14:useLocalDpi xmlns:a14="http://schemas.microsoft.com/office/drawing/2010/main" val="0"/>
+              </a:ext>
+            </a:extLst>
+          </a:blip>
+          <a:srcRect t="15904" b="12757"/>
+          <a:stretch/>
+        </p:blipFill>
+        <p:spPr>
+          <a:xfrm>
+            <a:off x="294108" y="2951564"/>
+            <a:ext cx="11737774" cy="954871"/>
+          </a:xfrm>
+          <a:prstGeom prst="rect">
+            <a:avLst/>
+          </a:prstGeom>
+        </p:spPr>
+      </p:pic>
+    </p:spTree>
+    <p:extLst>
+      <p:ext uri="{BB962C8B-B14F-4D97-AF65-F5344CB8AC3E}">
+        <p14:creationId xmlns:p14="http://schemas.microsoft.com/office/powerpoint/2010/main" val="641384596"/>
+      </p:ext>
+    </p:extLst>
+  </p:cSld>
+  <p:clrMapOvr>
+    <a:masterClrMapping/>
+  </p:clrMapOvr>
+</p:sld>
+</file>
+
+<file path=ppt/slides/slide15.xml><?xml version="1.0" encoding="utf-8"?>
 <p:sld xmlns:a="http://schemas.openxmlformats.org/drawingml/2006/main" xmlns:r="http://schemas.openxmlformats.org/officeDocument/2006/relationships" xmlns:p="http://schemas.openxmlformats.org/presentationml/2006/main">
   <p:cSld>
     <p:spTree>
@@ -6159,7 +6922,7 @@
         </p:nvSpPr>
         <p:spPr>
           <a:xfrm>
-            <a:off x="242986" y="4103617"/>
+            <a:off x="1035466" y="4103617"/>
             <a:ext cx="4451928" cy="2086295"/>
           </a:xfrm>
           <a:prstGeom prst="roundRect">
@@ -6212,7 +6975,7 @@
                 <a:latin typeface="Times New Roman" panose="02020603050405020304" pitchFamily="18" charset="0"/>
                 <a:cs typeface="Times New Roman" panose="02020603050405020304" pitchFamily="18" charset="0"/>
               </a:rPr>
-              <a:t>Проведен анализ языков программирования и конструкторов для создания веб-сайта</a:t>
+              <a:t>Проведено исследование существующих решений в данной области</a:t>
             </a:r>
           </a:p>
         </p:txBody>
@@ -6231,8 +6994,8 @@
         </p:nvSpPr>
         <p:spPr>
           <a:xfrm>
-            <a:off x="4782941" y="3307379"/>
-            <a:ext cx="2626118" cy="1675682"/>
+            <a:off x="8148320" y="2140517"/>
+            <a:ext cx="3007360" cy="1693252"/>
           </a:xfrm>
           <a:prstGeom prst="roundRect">
             <a:avLst>
@@ -6402,17 +7165,17 @@
                 <a:latin typeface="Times New Roman" panose="02020603050405020304" pitchFamily="18" charset="0"/>
                 <a:cs typeface="Times New Roman" panose="02020603050405020304" pitchFamily="18" charset="0"/>
               </a:rPr>
-              <a:t>Проведен анализ систем разработки плана управления проектом </a:t>
+              <a:t>Проведен анализ предметной области</a:t>
             </a:r>
           </a:p>
         </p:txBody>
       </p:sp>
       <p:sp>
         <p:nvSpPr>
-          <p:cNvPr id="29" name="Прямоугольник: скругленные углы 28">
+          <p:cNvPr id="30" name="Прямоугольник: скругленные углы 29">
             <a:extLst>
               <a:ext uri="{FF2B5EF4-FFF2-40B4-BE49-F238E27FC236}">
-                <a16:creationId xmlns:a16="http://schemas.microsoft.com/office/drawing/2014/main" id="{093D7CE1-9FB1-5DD5-59BE-F558952183A0}"/>
+                <a16:creationId xmlns:a16="http://schemas.microsoft.com/office/drawing/2014/main" id="{A995B5F6-2B10-49CC-FE39-7099A790E55C}"/>
               </a:ext>
             </a:extLst>
           </p:cNvPr>
@@ -6421,12 +7184,12 @@
         </p:nvSpPr>
         <p:spPr>
           <a:xfrm>
-            <a:off x="8131723" y="4506316"/>
-            <a:ext cx="3023957" cy="1675682"/>
+            <a:off x="6704608" y="4103617"/>
+            <a:ext cx="3704677" cy="2086294"/>
           </a:xfrm>
           <a:prstGeom prst="roundRect">
             <a:avLst>
-              <a:gd name="adj" fmla="val 37089"/>
+              <a:gd name="adj" fmla="val 35020"/>
             </a:avLst>
           </a:prstGeom>
           <a:solidFill>
@@ -6474,79 +7237,7 @@
                 <a:latin typeface="Times New Roman" panose="02020603050405020304" pitchFamily="18" charset="0"/>
                 <a:cs typeface="Times New Roman" panose="02020603050405020304" pitchFamily="18" charset="0"/>
               </a:rPr>
-              <a:t>Построить функциональные модели</a:t>
-            </a:r>
-          </a:p>
-        </p:txBody>
-      </p:sp>
-      <p:sp>
-        <p:nvSpPr>
-          <p:cNvPr id="30" name="Прямоугольник: скругленные углы 29">
-            <a:extLst>
-              <a:ext uri="{FF2B5EF4-FFF2-40B4-BE49-F238E27FC236}">
-                <a16:creationId xmlns:a16="http://schemas.microsoft.com/office/drawing/2014/main" id="{A995B5F6-2B10-49CC-FE39-7099A790E55C}"/>
-              </a:ext>
-            </a:extLst>
-          </p:cNvPr>
-          <p:cNvSpPr/>
-          <p:nvPr/>
-        </p:nvSpPr>
-        <p:spPr>
-          <a:xfrm>
-            <a:off x="8084592" y="2137058"/>
-            <a:ext cx="3023957" cy="1437310"/>
-          </a:xfrm>
-          <a:prstGeom prst="roundRect">
-            <a:avLst>
-              <a:gd name="adj" fmla="val 35020"/>
-            </a:avLst>
-          </a:prstGeom>
-          <a:solidFill>
-            <a:schemeClr val="accent1">
-              <a:lumMod val="20000"/>
-              <a:lumOff val="80000"/>
-            </a:schemeClr>
-          </a:solidFill>
-          <a:ln>
-            <a:solidFill>
-              <a:schemeClr val="accent2"/>
-            </a:solidFill>
-          </a:ln>
-        </p:spPr>
-        <p:style>
-          <a:lnRef idx="2">
-            <a:schemeClr val="accent1">
-              <a:shade val="50000"/>
-            </a:schemeClr>
-          </a:lnRef>
-          <a:fillRef idx="1">
-            <a:schemeClr val="accent1"/>
-          </a:fillRef>
-          <a:effectRef idx="0">
-            <a:schemeClr val="accent1"/>
-          </a:effectRef>
-          <a:fontRef idx="minor">
-            <a:schemeClr val="lt1"/>
-          </a:fontRef>
-        </p:style>
-        <p:txBody>
-          <a:bodyPr rtlCol="0" anchor="ctr"/>
-          <a:lstStyle/>
-          <a:p>
-            <a:pPr algn="ctr">
-              <a:lnSpc>
-                <a:spcPct val="150000"/>
-              </a:lnSpc>
-            </a:pPr>
-            <a:r>
-              <a:rPr lang="ru-RU" sz="2400" dirty="0">
-                <a:solidFill>
-                  <a:schemeClr val="tx1"/>
-                </a:solidFill>
-                <a:latin typeface="Times New Roman" panose="02020603050405020304" pitchFamily="18" charset="0"/>
-                <a:cs typeface="Times New Roman" panose="02020603050405020304" pitchFamily="18" charset="0"/>
-              </a:rPr>
-              <a:t>Разработан план проекта</a:t>
+              <a:t>Разработан прототип сайта цветочного магазина</a:t>
             </a:r>
           </a:p>
         </p:txBody>
@@ -6567,7 +7258,7 @@
         </p:nvCxnSpPr>
         <p:spPr>
           <a:xfrm flipH="1">
-            <a:off x="4196077" y="1861805"/>
+            <a:off x="4260247" y="1861805"/>
             <a:ext cx="1358652" cy="2164228"/>
           </a:xfrm>
           <a:prstGeom prst="straightConnector1">
@@ -6699,8 +7390,8 @@
         </p:nvCxnSpPr>
         <p:spPr>
           <a:xfrm>
-            <a:off x="6637272" y="1861805"/>
-            <a:ext cx="1622232" cy="2539182"/>
+            <a:off x="6573101" y="1861805"/>
+            <a:ext cx="1294481" cy="2164228"/>
           </a:xfrm>
           <a:prstGeom prst="straightConnector1">
             <a:avLst/>
@@ -6727,50 +7418,42 @@
           </a:fontRef>
         </p:style>
       </p:cxnSp>
-      <p:cxnSp>
-        <p:nvCxnSpPr>
-          <p:cNvPr id="53" name="Прямая со стрелкой 52">
+      <p:pic>
+        <p:nvPicPr>
+          <p:cNvPr id="6" name="Рисунок 5" descr="Цветок без стебля со сплошной заливкой">
             <a:extLst>
               <a:ext uri="{FF2B5EF4-FFF2-40B4-BE49-F238E27FC236}">
-                <a16:creationId xmlns:a16="http://schemas.microsoft.com/office/drawing/2014/main" id="{2A44AB8F-684A-5A67-7E56-3545BB0E8F7C}"/>
+                <a16:creationId xmlns:a16="http://schemas.microsoft.com/office/drawing/2014/main" id="{DBCA731A-9555-C330-73E3-F601688481A7}"/>
               </a:ext>
             </a:extLst>
           </p:cNvPr>
-          <p:cNvCxnSpPr>
-            <a:cxnSpLocks/>
-          </p:cNvCxnSpPr>
+          <p:cNvPicPr>
+            <a:picLocks noChangeAspect="1"/>
+          </p:cNvPicPr>
           <p:nvPr/>
-        </p:nvCxnSpPr>
+        </p:nvPicPr>
+        <p:blipFill>
+          <a:blip r:embed="rId2">
+            <a:extLst>
+              <a:ext uri="{96DAC541-7B7A-43D3-8B79-37D633B846F1}">
+                <asvg:svgBlip xmlns:asvg="http://schemas.microsoft.com/office/drawing/2016/SVG/main" r:embed="rId3"/>
+              </a:ext>
+            </a:extLst>
+          </a:blip>
+          <a:stretch>
+            <a:fillRect/>
+          </a:stretch>
+        </p:blipFill>
         <p:spPr>
           <a:xfrm>
-            <a:off x="6096000" y="1861805"/>
-            <a:ext cx="0" cy="1309740"/>
-          </a:xfrm>
-          <a:prstGeom prst="straightConnector1">
+            <a:off x="5513264" y="2602360"/>
+            <a:ext cx="1140544" cy="1140544"/>
+          </a:xfrm>
+          <a:prstGeom prst="rect">
             <a:avLst/>
           </a:prstGeom>
-          <a:ln w="38100">
-            <a:solidFill>
-              <a:schemeClr val="accent2"/>
-            </a:solidFill>
-            <a:tailEnd type="triangle"/>
-          </a:ln>
-        </p:spPr>
-        <p:style>
-          <a:lnRef idx="1">
-            <a:schemeClr val="accent2"/>
-          </a:lnRef>
-          <a:fillRef idx="0">
-            <a:schemeClr val="accent2"/>
-          </a:fillRef>
-          <a:effectRef idx="0">
-            <a:schemeClr val="accent2"/>
-          </a:effectRef>
-          <a:fontRef idx="minor">
-            <a:schemeClr val="tx1"/>
-          </a:fontRef>
-        </p:style>
-      </p:cxnSp>
+        </p:spPr>
+      </p:pic>
     </p:spTree>
     <p:extLst>
       <p:ext uri="{BB962C8B-B14F-4D97-AF65-F5344CB8AC3E}">
@@ -8046,7 +8729,7 @@
         <p:spPr>
           <a:xfrm>
             <a:off x="1066800" y="1887086"/>
-            <a:ext cx="10147124" cy="4353886"/>
+            <a:ext cx="10147124" cy="2400882"/>
           </a:xfrm>
         </p:spPr>
         <p:txBody>
